--- a/Bot Application1/Docs/HalleBot.pptx
+++ b/Bot Application1/Docs/HalleBot.pptx
@@ -3571,6 +3571,22 @@
               </a:rPr>
               <a:t>HalleBot</a:t>
             </a:r>
+            <a:r>
+              <a:rPr lang="en-US" dirty="0" smtClean="0">
+                <a:solidFill>
+                  <a:schemeClr val="bg1"/>
+                </a:solidFill>
+              </a:rPr>
+              <a:t> </a:t>
+            </a:r>
+            <a:r>
+              <a:rPr lang="en-US" smtClean="0">
+                <a:solidFill>
+                  <a:schemeClr val="bg1"/>
+                </a:solidFill>
+              </a:rPr>
+              <a:t>Next Steps</a:t>
+            </a:r>
             <a:endParaRPr lang="en-US" dirty="0">
               <a:solidFill>
                 <a:schemeClr val="bg1"/>
@@ -3596,7 +3612,9 @@
           </a:xfrm>
         </p:spPr>
         <p:txBody>
-          <a:bodyPr/>
+          <a:bodyPr>
+            <a:normAutofit lnSpcReduction="10000"/>
+          </a:bodyPr>
           <a:lstStyle/>
           <a:p>
             <a:r>
@@ -3635,42 +3653,55 @@
                   <a:schemeClr val="bg1"/>
                 </a:solidFill>
               </a:rPr>
-              <a:t>Multi-channel/platform </a:t>
-            </a:r>
+              <a:t>Multi-channel/platform interaction reduces barrier to adoption</a:t>
+            </a:r>
+          </a:p>
+          <a:p>
+            <a:pPr lvl="1"/>
             <a:r>
               <a:rPr lang="en-US" dirty="0" smtClean="0">
                 <a:solidFill>
                   <a:schemeClr val="bg1"/>
                 </a:solidFill>
               </a:rPr>
-              <a:t>interaction reduces barrier to </a:t>
-            </a:r>
+              <a:t>SMS, SKYPE, Web Chat, Voice, Email</a:t>
+            </a:r>
+          </a:p>
+          <a:p>
+            <a:pPr lvl="1"/>
             <a:r>
               <a:rPr lang="en-US" dirty="0" smtClean="0">
                 <a:solidFill>
                   <a:schemeClr val="bg1"/>
                 </a:solidFill>
               </a:rPr>
-              <a:t>adoption</a:t>
-            </a:r>
-          </a:p>
-          <a:p>
-            <a:pPr lvl="1"/>
+              <a:t>IOS, Windows, </a:t>
+            </a:r>
             <a:r>
               <a:rPr lang="en-US" dirty="0" smtClean="0">
                 <a:solidFill>
                   <a:schemeClr val="bg1"/>
                 </a:solidFill>
               </a:rPr>
-              <a:t>SMS</a:t>
-            </a:r>
+              <a:t>Android</a:t>
+            </a:r>
+          </a:p>
+          <a:p>
             <a:r>
               <a:rPr lang="en-US" dirty="0" smtClean="0">
                 <a:solidFill>
                   <a:schemeClr val="bg1"/>
                 </a:solidFill>
               </a:rPr>
-              <a:t>, SKYPE, Web Chat, Voice, </a:t>
+              <a:t>Geographically </a:t>
+            </a:r>
+            <a:r>
+              <a:rPr lang="en-US" dirty="0">
+                <a:solidFill>
+                  <a:schemeClr val="bg1"/>
+                </a:solidFill>
+              </a:rPr>
+              <a:t>agnostic mental health services case </a:t>
             </a:r>
             <a:r>
               <a:rPr lang="en-US" dirty="0" smtClean="0">
@@ -3678,18 +3709,7 @@
                   <a:schemeClr val="bg1"/>
                 </a:solidFill>
               </a:rPr>
-              <a:t>Email</a:t>
-            </a:r>
-          </a:p>
-          <a:p>
-            <a:pPr lvl="1"/>
-            <a:r>
-              <a:rPr lang="en-US" dirty="0" smtClean="0">
-                <a:solidFill>
-                  <a:schemeClr val="bg1"/>
-                </a:solidFill>
-              </a:rPr>
-              <a:t>IOS, Windows, Android</a:t>
+              <a:t>assignment.</a:t>
             </a:r>
             <a:endParaRPr lang="en-US" dirty="0" smtClean="0">
               <a:solidFill>

--- a/Bot Application1/Docs/HalleBot.pptx
+++ b/Bot Application1/Docs/HalleBot.pptx
@@ -3613,7 +3613,7 @@
         </p:spPr>
         <p:txBody>
           <a:bodyPr>
-            <a:normAutofit lnSpcReduction="10000"/>
+            <a:normAutofit fontScale="92500"/>
           </a:bodyPr>
           <a:lstStyle/>
           <a:p>
@@ -3687,35 +3687,54 @@
             </a:r>
           </a:p>
           <a:p>
+            <a:pPr lvl="1"/>
             <a:r>
               <a:rPr lang="en-US" dirty="0" smtClean="0">
                 <a:solidFill>
                   <a:schemeClr val="bg1"/>
                 </a:solidFill>
               </a:rPr>
-              <a:t>Geographically </a:t>
-            </a:r>
-            <a:r>
-              <a:rPr lang="en-US" dirty="0">
+              <a:t>Embed in provider </a:t>
+            </a:r>
+            <a:r>
+              <a:rPr lang="en-US" smtClean="0">
                 <a:solidFill>
                   <a:schemeClr val="bg1"/>
                 </a:solidFill>
               </a:rPr>
-              <a:t>agnostic mental health services case </a:t>
-            </a:r>
-            <a:r>
-              <a:rPr lang="en-US" dirty="0" smtClean="0">
-                <a:solidFill>
-                  <a:schemeClr val="bg1"/>
-                </a:solidFill>
-              </a:rPr>
-              <a:t>assignment.</a:t>
+              <a:t>web site</a:t>
             </a:r>
             <a:endParaRPr lang="en-US" dirty="0" smtClean="0">
               <a:solidFill>
                 <a:schemeClr val="bg1"/>
               </a:solidFill>
             </a:endParaRPr>
+          </a:p>
+          <a:p>
+            <a:r>
+              <a:rPr lang="en-US" dirty="0" smtClean="0">
+                <a:solidFill>
+                  <a:schemeClr val="bg1"/>
+                </a:solidFill>
+              </a:rPr>
+              <a:t>Geographically </a:t>
+            </a:r>
+            <a:r>
+              <a:rPr lang="en-US" dirty="0">
+                <a:solidFill>
+                  <a:schemeClr val="bg1"/>
+                </a:solidFill>
+              </a:rPr>
+              <a:t>agnostic mental health services case </a:t>
+            </a:r>
+            <a:r>
+              <a:rPr lang="en-US" dirty="0" smtClean="0">
+                <a:solidFill>
+                  <a:schemeClr val="bg1"/>
+                </a:solidFill>
+              </a:rPr>
+              <a:t>assignment.</a:t>
+            </a:r>
           </a:p>
         </p:txBody>
       </p:sp>
